--- a/docs/A3_Project_Slides.pptx
+++ b/docs/A3_Project_Slides.pptx
@@ -313,7 +313,7 @@
           <a:p>
             <a:fld id="{5BCAD085-E8A6-8845-BD4E-CB4CCA059FC4}" type="datetimeFigureOut">
               <a:rPr lang="en-US" smtClean="0"/>
-              <a:t>5/7/25</a:t>
+              <a:t>5/14/25</a:t>
             </a:fld>
             <a:endParaRPr lang="en-US"/>
           </a:p>
@@ -481,7 +481,7 @@
           <a:p>
             <a:fld id="{5BCAD085-E8A6-8845-BD4E-CB4CCA059FC4}" type="datetimeFigureOut">
               <a:rPr lang="en-US" smtClean="0"/>
-              <a:t>5/7/25</a:t>
+              <a:t>5/14/25</a:t>
             </a:fld>
             <a:endParaRPr lang="en-US"/>
           </a:p>
@@ -659,7 +659,7 @@
           <a:p>
             <a:fld id="{5BCAD085-E8A6-8845-BD4E-CB4CCA059FC4}" type="datetimeFigureOut">
               <a:rPr lang="en-US" smtClean="0"/>
-              <a:t>5/7/25</a:t>
+              <a:t>5/14/25</a:t>
             </a:fld>
             <a:endParaRPr lang="en-US"/>
           </a:p>
@@ -827,7 +827,7 @@
           <a:p>
             <a:fld id="{5BCAD085-E8A6-8845-BD4E-CB4CCA059FC4}" type="datetimeFigureOut">
               <a:rPr lang="en-US" smtClean="0"/>
-              <a:t>5/7/25</a:t>
+              <a:t>5/14/25</a:t>
             </a:fld>
             <a:endParaRPr lang="en-US"/>
           </a:p>
@@ -1072,7 +1072,7 @@
           <a:p>
             <a:fld id="{5BCAD085-E8A6-8845-BD4E-CB4CCA059FC4}" type="datetimeFigureOut">
               <a:rPr lang="en-US" smtClean="0"/>
-              <a:t>5/7/25</a:t>
+              <a:t>5/14/25</a:t>
             </a:fld>
             <a:endParaRPr lang="en-US"/>
           </a:p>
@@ -1357,7 +1357,7 @@
           <a:p>
             <a:fld id="{5BCAD085-E8A6-8845-BD4E-CB4CCA059FC4}" type="datetimeFigureOut">
               <a:rPr lang="en-US" smtClean="0"/>
-              <a:t>5/7/25</a:t>
+              <a:t>5/14/25</a:t>
             </a:fld>
             <a:endParaRPr lang="en-US"/>
           </a:p>
@@ -1776,7 +1776,7 @@
           <a:p>
             <a:fld id="{5BCAD085-E8A6-8845-BD4E-CB4CCA059FC4}" type="datetimeFigureOut">
               <a:rPr lang="en-US" smtClean="0"/>
-              <a:t>5/7/25</a:t>
+              <a:t>5/14/25</a:t>
             </a:fld>
             <a:endParaRPr lang="en-US"/>
           </a:p>
@@ -1893,7 +1893,7 @@
           <a:p>
             <a:fld id="{5BCAD085-E8A6-8845-BD4E-CB4CCA059FC4}" type="datetimeFigureOut">
               <a:rPr lang="en-US" smtClean="0"/>
-              <a:t>5/7/25</a:t>
+              <a:t>5/14/25</a:t>
             </a:fld>
             <a:endParaRPr lang="en-US"/>
           </a:p>
@@ -1988,7 +1988,7 @@
           <a:p>
             <a:fld id="{5BCAD085-E8A6-8845-BD4E-CB4CCA059FC4}" type="datetimeFigureOut">
               <a:rPr lang="en-US" smtClean="0"/>
-              <a:t>5/7/25</a:t>
+              <a:t>5/14/25</a:t>
             </a:fld>
             <a:endParaRPr lang="en-US"/>
           </a:p>
@@ -2263,7 +2263,7 @@
           <a:p>
             <a:fld id="{5BCAD085-E8A6-8845-BD4E-CB4CCA059FC4}" type="datetimeFigureOut">
               <a:rPr lang="en-US" smtClean="0"/>
-              <a:t>5/7/25</a:t>
+              <a:t>5/14/25</a:t>
             </a:fld>
             <a:endParaRPr lang="en-US"/>
           </a:p>
@@ -2515,7 +2515,7 @@
           <a:p>
             <a:fld id="{5BCAD085-E8A6-8845-BD4E-CB4CCA059FC4}" type="datetimeFigureOut">
               <a:rPr lang="en-US" smtClean="0"/>
-              <a:t>5/7/25</a:t>
+              <a:t>5/14/25</a:t>
             </a:fld>
             <a:endParaRPr lang="en-US"/>
           </a:p>
@@ -2726,7 +2726,7 @@
           <a:p>
             <a:fld id="{5BCAD085-E8A6-8845-BD4E-CB4CCA059FC4}" type="datetimeFigureOut">
               <a:rPr lang="en-US" smtClean="0"/>
-              <a:t>5/7/25</a:t>
+              <a:t>5/14/25</a:t>
             </a:fld>
             <a:endParaRPr lang="en-US"/>
           </a:p>
